--- a/presentation.pptx
+++ b/presentation.pptx
@@ -3165,8 +3165,10 @@
           <a:p>
             <a:pPr algn="l"/>
             <a:r>
-              <a:rPr sz="1800"/>
-              <a:t>The Assessment List for Trustworthy AI (ALTAI) is a tool designed to help foster responsible and sustainable AI innovation in Europe. It aims to make ethics a core pillar of AI development, ensuring that AI systems are lawful, ethical, and robust. ALTAI seeks to benefit, empower, and protect both individuals and society.</a:t>
+              <a:rPr sz="1800">
+                <a:latin typeface="Calibri"/>
+              </a:rPr>
+              <a:t>The Assessment List for Trustworthy AI (ALTAI) is a tool designed to help foster responsible and sustainable AI innovation in Europe. It aims to make ethics a core pillar of AI development, ensuring that AI systems are lawful, ethical, and robust. ALTAI seeks to benefit, empower, and protect both individuals and society as a whole.</a:t>
             </a:r>
           </a:p>
         </p:txBody>
@@ -3227,8 +3229,10 @@
           <a:p>
             <a:pPr algn="l"/>
             <a:r>
-              <a:rPr sz="1800"/>
-              <a:t>AI systems should be designed to interact with humans in a way that respects social norms and values.  ALTAI highlights the potential for AI to be misused for manipulation or to exacerbate existing social biases.</a:t>
+              <a:rPr sz="1800">
+                <a:latin typeface="Calibri"/>
+              </a:rPr>
+              <a:t>AI systems should be designed to interact with humans in a way that respects social norms and avoids potential harm. This includes mitigating risks of bias, discrimination, and manipulation in social interactions.</a:t>
             </a:r>
           </a:p>
         </p:txBody>
@@ -3289,8 +3293,10 @@
           <a:p>
             <a:pPr algn="l"/>
             <a:r>
-              <a:rPr sz="1800"/>
-              <a:t>Could the AI system be harmed or misused in ways that could negatively impact people or society?  This includes considering risks from design flaws, technical issues, attacks, or malicious use.  Have you taken steps to ensure the AI system is secure against potential attacks throughout its entire lifespan? Did you consider vulnerabilities like data poisoning, model evasion, or model inversion?  </a:t>
+              <a:rPr sz="1800">
+                <a:latin typeface="Calibri"/>
+              </a:rPr>
+              <a:t>Could the AI system be harmed or cause harm due to risks like design flaws, attacks, or misuse?  Is the AI system secure against cyberattacks like data poisoning, model evasion, or model inversion? What steps have been taken to protect the AI system from attacks throughout its lifespan? Has the system been tested for vulnerabilities (red-teaming or penetration testing)?</a:t>
             </a:r>
           </a:p>
         </p:txBody>
@@ -3351,8 +3357,10 @@
           <a:p>
             <a:pPr algn="l"/>
             <a:r>
-              <a:rPr sz="1800"/>
-              <a:t>AI systems should be designed to minimize harm to individuals and society. This includes considering potential misuse and ensuring the system is resilient to attacks.  It's important to identify and mitigate potential biases in the AI system to prevent discrimination or unfair outcomes.</a:t>
+              <a:rPr sz="1800">
+                <a:latin typeface="Calibri"/>
+              </a:rPr>
+              <a:t>AI systems should be designed to be robust and safe. This includes considering potential risks like design flaws, attacks, or misuse.  It's important to ensure the AI system can handle unexpected inputs and avoid causing harm.</a:t>
             </a:r>
           </a:p>
         </p:txBody>
@@ -3413,8 +3421,10 @@
           <a:p>
             <a:pPr algn="l"/>
             <a:r>
-              <a:rPr sz="1800"/>
-              <a:t>The goal of an AI model is to learn patterns that generalize well for unseen data. It is important to check if a trained AI model is performing well on unseen examples that have not been used for training the model. To do this, the model is used to predict the answer on the test dataset and then the predicted target is compared to the actual answer. The concept of accuracy is used to evaluate the predictive capability of the AI model.</a:t>
+              <a:rPr sz="1800">
+                <a:latin typeface="Calibri"/>
+              </a:rPr>
+              <a:t>The goal of an AI model is to learn patterns that generalize well for unseen data. It is important to check if a trained AI model is performing well on unseen examples that have not been used for training the model. To do this, the model is used to predict the answer on the test dataset and then the predicted target is compared to the actual answer.  The concept of accuracy is used to evaluate the predictive capability of the AI model.</a:t>
             </a:r>
           </a:p>
         </p:txBody>
@@ -3475,8 +3485,10 @@
           <a:p>
             <a:pPr algn="l"/>
             <a:r>
-              <a:rPr sz="1800"/>
-              <a:t>An AI system is considered reliable if it behaves as expected even with new data it hasn't encountered before.  Reproducibility means that the same results can be obtained when the AI system is run again with the same input data.</a:t>
+              <a:rPr sz="1800">
+                <a:latin typeface="Calibri"/>
+              </a:rPr>
+              <a:t>AI reliability means an AI system behaves as expected, even with new data it hasn't encountered before.  Reproducibility ensures that the same inputs consistently produce the same outputs, allowing for verification and trust in the AI system.</a:t>
             </a:r>
           </a:p>
         </p:txBody>
@@ -3537,8 +3549,10 @@
           <a:p>
             <a:pPr algn="l"/>
             <a:r>
-              <a:rPr sz="1800"/>
-              <a:t>How can the AI system be protected from unauthorized access, use, or modification? Robust cybersecurity measures are essential to ensure the safe and ethical operation of AI systems.</a:t>
+              <a:rPr sz="1800">
+                <a:latin typeface="Calibri"/>
+              </a:rPr>
+              <a:t>How can we protect AI systems from attacks or misuse? This includes considering measures to prevent unauthorized access, data breaches, and manipulation of the AI's decision-making process.</a:t>
             </a:r>
           </a:p>
         </p:txBody>
@@ -3599,24 +3613,27 @@
           <a:p>
             <a:pPr algn="l"/>
             <a:r>
-              <a:rPr sz="1800"/>
-              <a:t>ALTAI asks: </a:t>
+              <a:rPr sz="1800">
+                <a:latin typeface="Calibri"/>
+              </a:rPr>
+              <a:t>ALTAI asks:</a:t>
             </a:r>
           </a:p>
           <a:p>
             <a:pPr algn="l"/>
             <a:r>
-              <a:rPr sz="1800"/>
-              <a:t>• Did you consider the privacy and data protection implications of the AI system's non-personal training data or other processed non-personal data? </a:t>
+              <a:rPr sz="1800">
+                <a:latin typeface="Calibri"/>
+              </a:rPr>
+              <a:t>• Did you consider the privacy and data protection implications of the AI system's non-personal training data or other processed non-personal data?</a:t>
             </a:r>
           </a:p>
           <a:p>
             <a:pPr algn="l"/>
-          </a:p>
-          <a:p>
-            <a:pPr algn="l"/>
-            <a:r>
-              <a:rPr sz="1800"/>
+            <a:r>
+              <a:rPr sz="1800">
+                <a:latin typeface="Calibri"/>
+              </a:rPr>
               <a:t>This ensures responsible use of data throughout the AI system's lifecycle.</a:t>
             </a:r>
           </a:p>
@@ -3678,35 +3695,28 @@
           <a:p>
             <a:pPr algn="l"/>
             <a:r>
-              <a:rPr sz="1800"/>
-              <a:t>This section helps assess how your AI system handles data protection.  </a:t>
+              <a:rPr sz="1800">
+                <a:latin typeface="Calibri"/>
+              </a:rPr>
+              <a:t>This section helps assess how your AI system handles data protection.</a:t>
             </a:r>
           </a:p>
           <a:p>
             <a:pPr algn="l"/>
+            <a:r>
+              <a:rPr sz="1800">
+                <a:latin typeface="Calibri"/>
+              </a:rPr>
+              <a:t>* Does your AI system use personal data (including sensitive categories like health or political beliefs) during training or development?</a:t>
+            </a:r>
           </a:p>
           <a:p>
             <a:pPr algn="l"/>
             <a:r>
-              <a:rPr sz="1800"/>
-              <a:t>Key questions include:</a:t>
-            </a:r>
-          </a:p>
-          <a:p>
-            <a:pPr algn="l"/>
-          </a:p>
-          <a:p>
-            <a:pPr algn="l"/>
-            <a:r>
-              <a:rPr sz="1800"/>
-              <a:t>* Does your AI system use personal data (including sensitive information)?</a:t>
-            </a:r>
-          </a:p>
-          <a:p>
-            <a:pPr algn="l"/>
-            <a:r>
-              <a:rPr sz="1800"/>
-              <a:t>* Have you implemented measures like Data Protection Impact Assessments (DPIAs) and designated a Data Protection Officer (DPO)? These are important steps to ensure responsible data handling.</a:t>
+              <a:rPr sz="1800">
+                <a:latin typeface="Calibri"/>
+              </a:rPr>
+              <a:t>* Have you implemented measures like a Data Protection Impact Assessment (DPIA) or designated a Data Protection Officer (DPO) to ensure compliance with data protection regulations like GDPR?</a:t>
             </a:r>
           </a:p>
         </p:txBody>
@@ -3767,56 +3777,10 @@
           <a:p>
             <a:pPr algn="l"/>
             <a:r>
-              <a:rPr sz="1800"/>
-              <a:t>ALTAI emphasizes the importance of understanding how an AI system arrives at its decisions.  </a:t>
-            </a:r>
-          </a:p>
-          <a:p>
-            <a:pPr algn="l"/>
-          </a:p>
-          <a:p>
-            <a:pPr algn="l"/>
-            <a:r>
-              <a:rPr sz="1800"/>
-              <a:t>Key questions include: </a:t>
-            </a:r>
-          </a:p>
-          <a:p>
-            <a:pPr algn="l"/>
-          </a:p>
-          <a:p>
-            <a:pPr algn="l"/>
-            <a:r>
-              <a:rPr sz="1800"/>
-              <a:t>* Can you trace back which data was used by the AI system to make a certain decision(s) or recommendation(s)?</a:t>
-            </a:r>
-          </a:p>
-          <a:p>
-            <a:pPr algn="l"/>
-            <a:r>
-              <a:rPr sz="1800"/>
-              <a:t>* Can you trace back which AI model or rules led to the decision(s) or recommendation(s) of the AI system? </a:t>
-            </a:r>
-          </a:p>
-          <a:p>
-            <a:pPr algn="l"/>
-            <a:r>
-              <a:rPr sz="1800"/>
-              <a:t>* Did you put in place measures to continuously assess the quality of the input data to the AI system? </a:t>
-            </a:r>
-          </a:p>
-          <a:p>
-            <a:pPr algn="l"/>
-            <a:r>
-              <a:rPr sz="1800"/>
-              <a:t>* Did you put in place measures to continuously assess the quality of the output(s) of the AI system? </a:t>
-            </a:r>
-          </a:p>
-          <a:p>
-            <a:pPr algn="l"/>
-            <a:r>
-              <a:rPr sz="1800"/>
-              <a:t>* Did you put adequate logging practices in place to record the decision(s) or recommendation(s) of the AI system?</a:t>
+              <a:rPr sz="1800">
+                <a:latin typeface="Calibri"/>
+              </a:rPr>
+              <a:t>ALTAI emphasizes the importance of tracing an AI system's journey.  This includes tracking the data used by the AI, the AI model's decisions, and the system's outputs.  Effective logging practices are crucial for this traceability, allowing us to understand how the AI arrived at its conclusions.</a:t>
             </a:r>
           </a:p>
         </p:txBody>
@@ -3877,8 +3841,10 @@
           <a:p>
             <a:pPr algn="l"/>
             <a:r>
-              <a:rPr sz="1800"/>
-              <a:t>ALTAI encourages a thorough assessment of the potential impact of your AI system on data protection.  This involves considering the risks to individuals' privacy and taking steps to mitigate those risks. Key questions in this area focus on how your system collects, stores, uses, and shares data, ensuring compliance with relevant regulations and ethical principles.</a:t>
+              <a:rPr sz="1800">
+                <a:latin typeface="Calibri"/>
+              </a:rPr>
+              <a:t>ALTAI encourages a thorough assessment of the potential impact of your AI system on data protection. This involves considering the privacy implications throughout the AI system's lifecycle, from data collection to deployment and beyond.</a:t>
             </a:r>
           </a:p>
         </p:txBody>
@@ -3939,8 +3905,10 @@
           <a:p>
             <a:pPr algn="l"/>
             <a:r>
-              <a:rPr sz="1800"/>
-              <a:t>ALTAI helps ensure AI systems are developed and used responsibly. It provides a framework for assessing AI systems across various dimensions, promoting transparency and building trust.</a:t>
+              <a:rPr sz="1800">
+                <a:latin typeface="Calibri"/>
+              </a:rPr>
+              <a:t>ALTAI provides a structured framework to assess the trustworthiness of AI systems. It helps identify potential risks and ensure AI aligns with ethical principles and societal values. By addressing key questions about AI development and deployment, ALTAI promotes transparency and accountability in AI.</a:t>
             </a:r>
           </a:p>
         </p:txBody>
@@ -4001,8 +3969,10 @@
           <a:p>
             <a:pPr algn="l"/>
             <a:r>
-              <a:rPr sz="1800"/>
-              <a:t>ALTAI promotes the concept of 'Privacy-by-Design',  meaning privacy considerations should be integrated into the AI system from its earliest stages of development. This ensures that the system is designed with privacy as a fundamental principle, minimizing potential risks to individuals' data protection.</a:t>
+              <a:rPr sz="1800">
+                <a:latin typeface="Calibri"/>
+              </a:rPr>
+              <a:t>ALTAI promotes the concept of 'Privacy-by-Design', ensuring privacy is integrated into every stage of an AI system's development. This means proactively considering the privacy implications of your AI system's design and functionality from the very beginning.</a:t>
             </a:r>
           </a:p>
         </p:txBody>
@@ -4063,8 +4033,10 @@
           <a:p>
             <a:pPr algn="l"/>
             <a:r>
-              <a:rPr sz="1800"/>
-              <a:t>ALTAI stresses the importance of understanding how an AI system reaches its decisions. This involves establishing mechanisms to track the AI system's development process, the origin of its training data, and the recording of its processes, outcomes, and both positive and negative impacts.</a:t>
+              <a:rPr sz="1800">
+                <a:latin typeface="Calibri"/>
+              </a:rPr>
+              <a:t>ALTAI stresses the importance of tracing an AI system's development and operation. This includes tracking the data used for training, the algorithms employed, and the system's decision-making processes.  Establishing clear audit trails helps ensure transparency and accountability in AI systems.</a:t>
             </a:r>
           </a:p>
         </p:txBody>
@@ -4125,8 +4097,10 @@
           <a:p>
             <a:pPr algn="l"/>
             <a:r>
-              <a:rPr sz="1800"/>
-              <a:t>ALTAI emphasizes the need for transparency in how AI systems make decisions. This means understanding the reasoning behind an AI's outputs.  It encourages organizations to  provide clear and understandable explanations of AI-driven decisions to users.</a:t>
+              <a:rPr sz="1800">
+                <a:latin typeface="Calibri"/>
+              </a:rPr>
+              <a:t>ALTAI emphasizes the importance of understanding how AI systems arrive at their decisions.  This transparency is crucial for building trust and accountability in AI systems.</a:t>
             </a:r>
           </a:p>
         </p:txBody>
@@ -4187,8 +4161,10 @@
           <a:p>
             <a:pPr algn="l"/>
             <a:r>
-              <a:rPr sz="1800"/>
-              <a:t>ALTAI emphasizes clear communication about potential limitations of AI systems. This includes establishing processes for flagging issues related to bias, discrimination, or poor performance.  It also involves defining how and to whom these issues can be raised.</a:t>
+              <a:rPr sz="1800">
+                <a:latin typeface="Calibri"/>
+              </a:rPr>
+              <a:t>ALTAI emphasizes clear communication about potential limitations of AI systems. This includes establishing mechanisms for flagging issues related to bias, discrimination, or poor performance.  It also stresses the importance of defining clear steps and communication channels for raising such issues.</a:t>
             </a:r>
           </a:p>
         </p:txBody>
@@ -4249,8 +4225,10 @@
           <a:p>
             <a:pPr algn="l"/>
             <a:r>
-              <a:rPr sz="1800"/>
-              <a:t>ALTAI emphasizes the importance of clear communication about potential limitations of AI systems. This includes establishing mechanisms for user notification about the system's limitations and potential biases.</a:t>
+              <a:rPr sz="1800">
+                <a:latin typeface="Calibri"/>
+              </a:rPr>
+              <a:t>ALTAI emphasizes the importance of clear communication about potential limitations of AI systems. This includes establishing transparent processes for notifying users about the system's capabilities and potential biases.</a:t>
             </a:r>
           </a:p>
         </p:txBody>
@@ -4311,8 +4289,10 @@
           <a:p>
             <a:pPr algn="l"/>
             <a:r>
-              <a:rPr sz="1800"/>
-              <a:t>ALTAI highlights the crucial role of high-quality data in building trustworthy AI.  AI systems are only as good as the data they are trained on, so ensuring data accuracy, completeness, and relevance is essential.</a:t>
+              <a:rPr sz="1800">
+                <a:latin typeface="Calibri"/>
+              </a:rPr>
+              <a:t>ALTAI highlights the importance of ensuring the quality of data used to train and operate AI systems. This includes assessing the accuracy, completeness, and relevance of the data.</a:t>
             </a:r>
           </a:p>
         </p:txBody>
@@ -4373,8 +4353,10 @@
           <a:p>
             <a:pPr algn="l"/>
             <a:r>
-              <a:rPr sz="1800"/>
-              <a:t>AI systems can perpetuate and amplify existing societal biases if not carefully designed.  It is important to consider the potential for bias throughout the AI system's life cycle and take steps to mitigate it.  Did you assess the potential for bias in the data used to train the AI system?  Did you implement techniques to identify and mitigate bias during the development process?</a:t>
+              <a:rPr sz="1800">
+                <a:latin typeface="Calibri"/>
+              </a:rPr>
+              <a:t>ALTAI recognizes the potential for AI systems to perpetuate or amplify existing societal biases.  It encourages developers to consider the diverse perspectives of stakeholders throughout the AI system's lifecycle to mitigate unfair bias.  This includes actively seeking input from individuals and groups who may be disproportionately affected by the AI system.</a:t>
             </a:r>
           </a:p>
         </p:txBody>
@@ -4435,8 +4417,10 @@
           <a:p>
             <a:pPr algn="l"/>
             <a:r>
-              <a:rPr sz="1800"/>
-              <a:t>Trustworthy AI should be accessible to everyone, regardless of their abilities or background. This means designing AI systems that are usable by people with disabilities and that do not discriminate against individuals based on factors like race, gender, or socioeconomic status.</a:t>
+              <a:rPr sz="1800">
+                <a:latin typeface="Calibri"/>
+              </a:rPr>
+              <a:t>ALTAI promotes the development of AI systems that are accessible to all individuals, regardless of their abilities or disabilities. This includes considering the needs of users with visual, auditory, or cognitive impairments.</a:t>
             </a:r>
           </a:p>
         </p:txBody>
@@ -4497,8 +4481,10 @@
           <a:p>
             <a:pPr algn="l"/>
             <a:r>
-              <a:rPr sz="1800"/>
-              <a:t>Trustworthy AI development benefits from involving diverse stakeholders.  Did you engage with potential end-users and subjects during planning and development?  Did you consider if any groups might be disproportionately affected by the AI system's outcomes?  Assessing these factors helps ensure fairness and inclusivity.</a:t>
+              <a:rPr sz="1800">
+                <a:latin typeface="Calibri"/>
+              </a:rPr>
+              <a:t>ALTAI emphasizes the importance of involving stakeholders throughout the AI development process. This includes engaging with potential end-users and subject communities to understand their needs and perspectives. It also encourages assessing the potential impact of the AI system on different groups and identifying any risks of disproportionate or unfair effects.</a:t>
             </a:r>
           </a:p>
         </p:txBody>
@@ -4559,8 +4545,10 @@
           <a:p>
             <a:pPr algn="l"/>
             <a:r>
-              <a:rPr sz="1800"/>
-              <a:t>What does fairness mean in the context of AI?  ALTAI provides definitions and considerations for ensuring fairness in AI systems.</a:t>
+              <a:rPr sz="1800">
+                <a:latin typeface="Calibri"/>
+              </a:rPr>
+              <a:t>ALTAI defines fairness in AI systems as the absence of discrimination and the promotion of equitable outcomes for all individuals.</a:t>
             </a:r>
           </a:p>
         </p:txBody>
@@ -4621,8 +4609,10 @@
           <a:p>
             <a:pPr algn="l"/>
             <a:r>
-              <a:rPr sz="1800"/>
-              <a:t>ALTAI aims to provide a self-assessment tool to ensure AI systems are trustworthy, focusing on seven key requirements: human agency, robustness, privacy, transparency, fairness, well-being, and accountability.</a:t>
+              <a:rPr sz="1800">
+                <a:latin typeface="Calibri"/>
+              </a:rPr>
+              <a:t>ALTAI aims to ensure AI systems are developed and deployed responsibly. It helps identify potential risks and biases, promoting transparency and accountability in AI development.</a:t>
             </a:r>
           </a:p>
         </p:txBody>
@@ -4683,8 +4673,10 @@
           <a:p>
             <a:pPr algn="l"/>
             <a:r>
-              <a:rPr sz="1800"/>
-              <a:t>Trustworthy AI requires ongoing monitoring for bias.  Did you establish a process to continuously assess the AI system's adherence to ALTAI's fairness principles? This process should include identifying and documenting any conflicts between fairness and other ethical considerations, along with explanations for any 'trade-off' decisions made.</a:t>
+              <a:rPr sz="1800">
+                <a:latin typeface="Calibri"/>
+              </a:rPr>
+              <a:t>ALTAI emphasizes continuous monitoring of AI systems for potential biases. This includes identifying and documenting conflicts between fairness principles and explaining any 'trade-off' decisions made.  Training is provided to those involved in this process, ensuring they understand the legal framework applicable to the AI system.</a:t>
             </a:r>
           </a:p>
         </p:txBody>
@@ -4745,8 +4737,10 @@
           <a:p>
             <a:pPr algn="l"/>
             <a:r>
-              <a:rPr sz="1800"/>
-              <a:t>AI systems should be developed and used in an environmentally friendly way.  This means considering the impact of the AI system's development, deployment, and use on the environment throughout its entire lifecycle.  For example, this includes examining resource usage and energy consumption during training.  Measures to reduce the environmental impact of an AI system should be encouraged.</a:t>
+              <a:rPr sz="1800">
+                <a:latin typeface="Calibri"/>
+              </a:rPr>
+              <a:t>AI systems should be developed and used in an environmentally friendly way.  This means considering the impact of the AI system's development, deployment, and use on the environment.  For example, the amount of energy used and carbon emissions should be evaluated.  Measures to reduce the environmental impact of the AI system throughout its lifecycle should be encouraged.</a:t>
             </a:r>
           </a:p>
         </p:txBody>
@@ -4807,8 +4801,10 @@
           <a:p>
             <a:pPr algn="l"/>
             <a:r>
-              <a:rPr sz="1800"/>
-              <a:t>Trustworthy AI should consider its impact on jobs and the skills needed in the future.  How will your AI system affect employment opportunities?  Are there potential risks of job displacement?  What steps will you take to mitigate negative impacts and promote reskilling?</a:t>
+              <a:rPr sz="1800">
+                <a:latin typeface="Calibri"/>
+              </a:rPr>
+              <a:t>ALTAI recognizes the potential impact of AI on jobs and skills.  It encourages assessing how AI systems might affect employment opportunities and the skills needed in the future.</a:t>
             </a:r>
           </a:p>
         </p:txBody>
@@ -4869,8 +4865,10 @@
           <a:p>
             <a:pPr algn="l"/>
             <a:r>
-              <a:rPr sz="1800"/>
-              <a:t>Trustworthy AI should consider its impact on society and democracy.  This includes examining potential effects on fairness, accountability, transparency, and the distribution of power.</a:t>
+              <a:rPr sz="1800">
+                <a:latin typeface="Calibri"/>
+              </a:rPr>
+              <a:t>ALTAI highlights the importance of AI's impact on society and democracy.  This includes assessing how AI systems might affect  political discourse, social cohesion, and the distribution of power.</a:t>
             </a:r>
           </a:p>
         </p:txBody>
@@ -4931,8 +4929,10 @@
           <a:p>
             <a:pPr algn="l"/>
             <a:r>
-              <a:rPr sz="1800"/>
-              <a:t>The ALTAI framework emphasizes the importance of sustainability. This means considering the environmental impact of AI development and use.  AI systems should be designed and deployed in a way that minimizes harm to the planet and promotes responsible resource consumption.</a:t>
+              <a:rPr sz="1800">
+                <a:latin typeface="Calibri"/>
+              </a:rPr>
+              <a:t>AI systems should be developed and used in an environmentally friendly way. This means considering their energy consumption and potential impact on natural resources.</a:t>
             </a:r>
           </a:p>
         </p:txBody>
@@ -4993,8 +4993,10 @@
           <a:p>
             <a:pPr algn="l"/>
             <a:r>
-              <a:rPr sz="1800"/>
-              <a:t>Trustworthy AI development should involve meaningful consultation with workers. This helps ensure AI systems are designed and implemented in ways that benefit workers and minimize potential negative impacts.</a:t>
+              <a:rPr sz="1800">
+                <a:latin typeface="Calibri"/>
+              </a:rPr>
+              <a:t>ALTAI emphasizes the importance of involving workers in the development and deployment of AI systems. This ensures that their perspectives and concerns are considered, promoting fairness and transparency.</a:t>
             </a:r>
           </a:p>
         </p:txBody>
@@ -5055,8 +5057,10 @@
           <a:p>
             <a:pPr algn="l"/>
             <a:r>
-              <a:rPr sz="1800"/>
-              <a:t>Trustworthy AI systems should be auditable. This means having clear processes and tools to understand how the AI makes decisions and to identify potential biases or errors.</a:t>
+              <a:rPr sz="1800">
+                <a:latin typeface="Calibri"/>
+              </a:rPr>
+              <a:t>Trustworthy AI requires mechanisms to allow for independent audits. These audits should enable the evaluation of AI systems' compliance with ethical principles and legal requirements.</a:t>
             </a:r>
           </a:p>
         </p:txBody>
@@ -5117,8 +5121,10 @@
           <a:p>
             <a:pPr algn="l"/>
             <a:r>
-              <a:rPr sz="1800"/>
-              <a:t>Trustworthy AI systems should have clear processes for identifying, assessing, and mitigating potential risks. These processes should be documented and regularly reviewed to ensure they remain effective.</a:t>
+              <a:rPr sz="1800">
+                <a:latin typeface="Calibri"/>
+              </a:rPr>
+              <a:t>Trustworthy AI demands robust risk management processes. These processes should identify, assess, and mitigate potential risks associated with AI systems throughout their lifecycle.</a:t>
             </a:r>
           </a:p>
         </p:txBody>
@@ -5179,8 +5185,10 @@
           <a:p>
             <a:pPr algn="l"/>
             <a:r>
-              <a:rPr sz="1800"/>
-              <a:t>ALTAI emphasizes the importance of third-party auditing for trustworthy AI. This involves independent experts evaluating AI systems against established standards and best practices.</a:t>
+              <a:rPr sz="1800">
+                <a:latin typeface="Calibri"/>
+              </a:rPr>
+              <a:t>Trustworthy AI necessitates independent audits conducted by third parties. These audits ensure transparency and allow for the evaluation of AI systems' adherence to ethical and safety standards.</a:t>
             </a:r>
           </a:p>
         </p:txBody>
@@ -5241,8 +5249,10 @@
           <a:p>
             <a:pPr algn="l"/>
             <a:r>
-              <a:rPr sz="1800"/>
-              <a:t>Trustworthy AI systems should include ethics review boards. These boards provide independent oversight and ensure AI development and deployment align with ethical principles.</a:t>
+              <a:rPr sz="1800">
+                <a:latin typeface="Calibri"/>
+              </a:rPr>
+              <a:t>Trustworthy AI necessitates the establishment of ethics review boards. These boards should evaluate AI systems for potential biases, fairness, and societal impacts.</a:t>
             </a:r>
           </a:p>
         </p:txBody>
@@ -5303,8 +5313,10 @@
           <a:p>
             <a:pPr algn="l"/>
             <a:r>
-              <a:rPr sz="1800"/>
-              <a:t>ALTAI was developed through a collaborative process involving experts from various fields. This ensures the assessment list reflects a broad understanding of the complexities surrounding trustworthy AI.</a:t>
+              <a:rPr sz="1800">
+                <a:latin typeface="Calibri"/>
+              </a:rPr>
+              <a:t>ALTAI is developed through a collaborative process involving experts from various fields, including AI, ethics, law, and social sciences. This ensures a comprehensive and multi-faceted approach to assessing trustworthiness in AI systems.</a:t>
             </a:r>
           </a:p>
         </p:txBody>
@@ -5365,8 +5377,10 @@
           <a:p>
             <a:pPr algn="l"/>
             <a:r>
-              <a:rPr sz="1800"/>
-              <a:t>Trustworthy AI systems should be designed with mechanisms for addressing potential harm. This means establishing clear processes for receiving and responding to complaints, as well as providing avenues for redress.</a:t>
+              <a:rPr sz="1800">
+                <a:latin typeface="Calibri"/>
+              </a:rPr>
+              <a:t>Trustworthy AI should incorporate mechanisms for redress. This means designing systems that allow for the fair and effective resolution of complaints or harms caused by AI.</a:t>
             </a:r>
           </a:p>
         </p:txBody>
@@ -5427,8 +5441,10 @@
           <a:p>
             <a:pPr algn="l"/>
             <a:r>
-              <a:rPr sz="1800"/>
-              <a:t>ALTAI considers the impact of AI on fundamental rights.  It helps ensure AI systems respect human dignity, non-discrimination, and other essential rights.</a:t>
+              <a:rPr sz="1800">
+                <a:latin typeface="Calibri"/>
+              </a:rPr>
+              <a:t>ALTAI considers the impact of AI on fundamental rights. It helps ensure AI systems respect human dignity, privacy, and other essential rights.</a:t>
             </a:r>
           </a:p>
         </p:txBody>
@@ -5489,8 +5505,10 @@
           <a:p>
             <a:pPr algn="l"/>
             <a:r>
-              <a:rPr sz="1800"/>
-              <a:t>AI systems should support human decision-making and respect human autonomy. This means AI should empower users and uphold fundamental rights, with human oversight in place.  ALTAI assesses AI systems based on how they impact human behavior, including decision-making processes, perception, and expectations. It also considers the effect of AI on human trust, affection, and dependence.</a:t>
+              <a:rPr sz="1800">
+                <a:latin typeface="Calibri"/>
+              </a:rPr>
+              <a:t>AI systems should support human decision-making and uphold fundamental rights. This means AI should empower users and ensure human oversight prevents potential harm to autonomy.  ALTAI assesses AI's impact on human behavior, including its influence on decision-making processes, perception, and trust. It also considers how AI systems that mimic human behavior might affect human relationships and dependence.</a:t>
             </a:r>
           </a:p>
         </p:txBody>
@@ -5551,8 +5569,10 @@
           <a:p>
             <a:pPr algn="l"/>
             <a:r>
-              <a:rPr sz="1800"/>
-              <a:t>ALTAI emphasizes the importance of human oversight in AI systems.  It encourages the development of mechanisms that allow humans to monitor, intervene, and correct AI actions when necessary. This ensures that AI remains under human control and accountable for its decisions.</a:t>
+              <a:rPr sz="1800">
+                <a:latin typeface="Calibri"/>
+              </a:rPr>
+              <a:t>To ensure responsible use, ALTAI emphasizes the need for human oversight mechanisms in AI systems. These mechanisms allow humans to monitor, intervene, and correct AI actions when necessary, safeguarding against unintended consequences and upholding human control.</a:t>
             </a:r>
           </a:p>
         </p:txBody>
@@ -5613,8 +5633,10 @@
           <a:p>
             <a:pPr algn="l"/>
             <a:r>
-              <a:rPr sz="1800"/>
-              <a:t>ALTAI recognizes the potential for humans to become overly reliant on AI systems.  It promotes the development of AI that complements human capabilities rather than replacing them entirely.  This helps ensure that humans maintain control and responsibility in decision-making processes.</a:t>
+              <a:rPr sz="1800">
+                <a:latin typeface="Calibri"/>
+              </a:rPr>
+              <a:t>ALTAI recognizes the importance of preventing over-reliance on AI systems.  It promotes human oversight mechanisms to ensure humans remain in control of critical decisions.  These mechanisms help prevent AI from making decisions that could potentially harm individuals or violate their rights.</a:t>
             </a:r>
           </a:p>
         </p:txBody>
@@ -5675,8 +5697,10 @@
           <a:p>
             <a:pPr algn="l"/>
             <a:r>
-              <a:rPr sz="1800"/>
-              <a:t>ALTAI stresses the importance of users understanding how AI systems work and their limitations. This includes being transparent about AI's role in decision-making and potential biases.</a:t>
+              <a:rPr sz="1800">
+                <a:latin typeface="Calibri"/>
+              </a:rPr>
+              <a:t>ALTAI highlights the importance of user awareness in trustworthy AI. Users should understand how AI systems work, their limitations, and potential biases.</a:t>
             </a:r>
           </a:p>
         </p:txBody>
